--- a/Acme-Meals.pptx
+++ b/Acme-Meals.pptx
@@ -1,16 +1,21 @@
 
 <file path=ppt/presentation.xml><?xml version="1.0" encoding="utf-8"?>
-<p:presentation xmlns:a="http://schemas.openxmlformats.org/drawingml/2006/main" xmlns:r="http://schemas.openxmlformats.org/officeDocument/2006/relationships" xmlns:p="http://schemas.openxmlformats.org/presentationml/2006/main" saveSubsetFonts="1">
+<p:presentation xmlns:a="http://schemas.openxmlformats.org/drawingml/2006/main" xmlns:r="http://schemas.openxmlformats.org/officeDocument/2006/relationships" xmlns:p="http://schemas.openxmlformats.org/presentationml/2006/main" showSpecialPlsOnTitleSld="0" saveSubsetFonts="1">
   <p:sldMasterIdLst>
     <p:sldMasterId id="2147483677" r:id="rId1"/>
   </p:sldMasterIdLst>
+  <p:notesMasterIdLst>
+    <p:notesMasterId r:id="rId10"/>
+  </p:notesMasterIdLst>
   <p:sldIdLst>
     <p:sldId id="256" r:id="rId2"/>
-    <p:sldId id="257" r:id="rId3"/>
-    <p:sldId id="258" r:id="rId4"/>
-    <p:sldId id="259" r:id="rId5"/>
-    <p:sldId id="260" r:id="rId6"/>
-    <p:sldId id="261" r:id="rId7"/>
+    <p:sldId id="263" r:id="rId3"/>
+    <p:sldId id="257" r:id="rId4"/>
+    <p:sldId id="258" r:id="rId5"/>
+    <p:sldId id="259" r:id="rId6"/>
+    <p:sldId id="260" r:id="rId7"/>
+    <p:sldId id="261" r:id="rId8"/>
+    <p:sldId id="262" r:id="rId9"/>
   </p:sldIdLst>
   <p:sldSz cx="12192000" cy="6858000"/>
   <p:notesSz cx="6858000" cy="9144000"/>
@@ -121,6 +126,355 @@
 <p1510:revInfo xmlns:a="http://schemas.openxmlformats.org/drawingml/2006/main" xmlns:r="http://schemas.openxmlformats.org/officeDocument/2006/relationships" xmlns:p1510="http://schemas.microsoft.com/office/powerpoint/2015/10/main"/>
 </file>
 
+<file path=ppt/notesMasters/notesMaster1.xml><?xml version="1.0" encoding="utf-8"?>
+<p:notesMaster xmlns:a="http://schemas.openxmlformats.org/drawingml/2006/main" xmlns:r="http://schemas.openxmlformats.org/officeDocument/2006/relationships" xmlns:p="http://schemas.openxmlformats.org/presentationml/2006/main">
+  <p:cSld>
+    <p:bg>
+      <p:bgRef idx="1001">
+        <a:schemeClr val="bg1"/>
+      </p:bgRef>
+    </p:bg>
+    <p:spTree>
+      <p:nvGrpSpPr>
+        <p:cNvPr id="1" name=""/>
+        <p:cNvGrpSpPr/>
+        <p:nvPr/>
+      </p:nvGrpSpPr>
+      <p:grpSpPr>
+        <a:xfrm>
+          <a:off x="0" y="0"/>
+          <a:ext cx="0" cy="0"/>
+          <a:chOff x="0" y="0"/>
+          <a:chExt cx="0" cy="0"/>
+        </a:xfrm>
+      </p:grpSpPr>
+      <p:sp>
+        <p:nvSpPr>
+          <p:cNvPr id="2" name="Marcador de encabezado 1"/>
+          <p:cNvSpPr>
+            <a:spLocks noGrp="1"/>
+          </p:cNvSpPr>
+          <p:nvPr>
+            <p:ph type="hdr" sz="quarter"/>
+          </p:nvPr>
+        </p:nvSpPr>
+        <p:spPr>
+          <a:xfrm>
+            <a:off x="0" y="0"/>
+            <a:ext cx="2971800" cy="458788"/>
+          </a:xfrm>
+          <a:prstGeom prst="rect">
+            <a:avLst/>
+          </a:prstGeom>
+        </p:spPr>
+        <p:txBody>
+          <a:bodyPr vert="horz" lIns="91440" tIns="45720" rIns="91440" bIns="45720" rtlCol="0"/>
+          <a:lstStyle>
+            <a:lvl1pPr algn="l">
+              <a:defRPr sz="1200"/>
+            </a:lvl1pPr>
+          </a:lstStyle>
+          <a:p>
+            <a:endParaRPr lang="es-ES"/>
+          </a:p>
+        </p:txBody>
+      </p:sp>
+      <p:sp>
+        <p:nvSpPr>
+          <p:cNvPr id="3" name="Marcador de fecha 2"/>
+          <p:cNvSpPr>
+            <a:spLocks noGrp="1"/>
+          </p:cNvSpPr>
+          <p:nvPr>
+            <p:ph type="dt" idx="1"/>
+          </p:nvPr>
+        </p:nvSpPr>
+        <p:spPr>
+          <a:xfrm>
+            <a:off x="3884613" y="0"/>
+            <a:ext cx="2971800" cy="458788"/>
+          </a:xfrm>
+          <a:prstGeom prst="rect">
+            <a:avLst/>
+          </a:prstGeom>
+        </p:spPr>
+        <p:txBody>
+          <a:bodyPr vert="horz" lIns="91440" tIns="45720" rIns="91440" bIns="45720" rtlCol="0"/>
+          <a:lstStyle>
+            <a:lvl1pPr algn="r">
+              <a:defRPr sz="1200"/>
+            </a:lvl1pPr>
+          </a:lstStyle>
+          <a:p>
+            <a:fld id="{155822AB-937E-4D30-AE85-76FA363BDFE6}" type="datetimeFigureOut">
+              <a:rPr lang="es-ES" smtClean="0"/>
+              <a:t>10/05/2017</a:t>
+            </a:fld>
+            <a:endParaRPr lang="es-ES"/>
+          </a:p>
+        </p:txBody>
+      </p:sp>
+      <p:sp>
+        <p:nvSpPr>
+          <p:cNvPr id="4" name="Marcador de imagen de diapositiva 3"/>
+          <p:cNvSpPr>
+            <a:spLocks noGrp="1" noRot="1" noChangeAspect="1"/>
+          </p:cNvSpPr>
+          <p:nvPr>
+            <p:ph type="sldImg" idx="2"/>
+          </p:nvPr>
+        </p:nvSpPr>
+        <p:spPr>
+          <a:xfrm>
+            <a:off x="685800" y="1143000"/>
+            <a:ext cx="5486400" cy="3086100"/>
+          </a:xfrm>
+          <a:prstGeom prst="rect">
+            <a:avLst/>
+          </a:prstGeom>
+          <a:noFill/>
+          <a:ln w="12700">
+            <a:solidFill>
+              <a:prstClr val="black"/>
+            </a:solidFill>
+          </a:ln>
+        </p:spPr>
+        <p:txBody>
+          <a:bodyPr vert="horz" lIns="91440" tIns="45720" rIns="91440" bIns="45720" rtlCol="0" anchor="ctr"/>
+          <a:lstStyle/>
+          <a:p>
+            <a:endParaRPr lang="es-ES"/>
+          </a:p>
+        </p:txBody>
+      </p:sp>
+      <p:sp>
+        <p:nvSpPr>
+          <p:cNvPr id="5" name="Marcador de notas 4"/>
+          <p:cNvSpPr>
+            <a:spLocks noGrp="1"/>
+          </p:cNvSpPr>
+          <p:nvPr>
+            <p:ph type="body" sz="quarter" idx="3"/>
+          </p:nvPr>
+        </p:nvSpPr>
+        <p:spPr>
+          <a:xfrm>
+            <a:off x="685800" y="4400550"/>
+            <a:ext cx="5486400" cy="3600450"/>
+          </a:xfrm>
+          <a:prstGeom prst="rect">
+            <a:avLst/>
+          </a:prstGeom>
+        </p:spPr>
+        <p:txBody>
+          <a:bodyPr vert="horz" lIns="91440" tIns="45720" rIns="91440" bIns="45720" rtlCol="0"/>
+          <a:lstStyle/>
+          <a:p>
+            <a:pPr lvl="0"/>
+            <a:r>
+              <a:rPr lang="es-ES"/>
+              <a:t>Editar el estilo de texto del patrón</a:t>
+            </a:r>
+          </a:p>
+          <a:p>
+            <a:pPr lvl="1"/>
+            <a:r>
+              <a:rPr lang="es-ES"/>
+              <a:t>Segundo nivel</a:t>
+            </a:r>
+          </a:p>
+          <a:p>
+            <a:pPr lvl="2"/>
+            <a:r>
+              <a:rPr lang="es-ES"/>
+              <a:t>Tercer nivel</a:t>
+            </a:r>
+          </a:p>
+          <a:p>
+            <a:pPr lvl="3"/>
+            <a:r>
+              <a:rPr lang="es-ES"/>
+              <a:t>Cuarto nivel</a:t>
+            </a:r>
+          </a:p>
+          <a:p>
+            <a:pPr lvl="4"/>
+            <a:r>
+              <a:rPr lang="es-ES"/>
+              <a:t>Quinto nivel</a:t>
+            </a:r>
+          </a:p>
+        </p:txBody>
+      </p:sp>
+      <p:sp>
+        <p:nvSpPr>
+          <p:cNvPr id="6" name="Marcador de pie de página 5"/>
+          <p:cNvSpPr>
+            <a:spLocks noGrp="1"/>
+          </p:cNvSpPr>
+          <p:nvPr>
+            <p:ph type="ftr" sz="quarter" idx="4"/>
+          </p:nvPr>
+        </p:nvSpPr>
+        <p:spPr>
+          <a:xfrm>
+            <a:off x="0" y="8685213"/>
+            <a:ext cx="2971800" cy="458787"/>
+          </a:xfrm>
+          <a:prstGeom prst="rect">
+            <a:avLst/>
+          </a:prstGeom>
+        </p:spPr>
+        <p:txBody>
+          <a:bodyPr vert="horz" lIns="91440" tIns="45720" rIns="91440" bIns="45720" rtlCol="0" anchor="b"/>
+          <a:lstStyle>
+            <a:lvl1pPr algn="l">
+              <a:defRPr sz="1200"/>
+            </a:lvl1pPr>
+          </a:lstStyle>
+          <a:p>
+            <a:endParaRPr lang="es-ES"/>
+          </a:p>
+        </p:txBody>
+      </p:sp>
+      <p:sp>
+        <p:nvSpPr>
+          <p:cNvPr id="7" name="Marcador de número de diapositiva 6"/>
+          <p:cNvSpPr>
+            <a:spLocks noGrp="1"/>
+          </p:cNvSpPr>
+          <p:nvPr>
+            <p:ph type="sldNum" sz="quarter" idx="5"/>
+          </p:nvPr>
+        </p:nvSpPr>
+        <p:spPr>
+          <a:xfrm>
+            <a:off x="3884613" y="8685213"/>
+            <a:ext cx="2971800" cy="458787"/>
+          </a:xfrm>
+          <a:prstGeom prst="rect">
+            <a:avLst/>
+          </a:prstGeom>
+        </p:spPr>
+        <p:txBody>
+          <a:bodyPr vert="horz" lIns="91440" tIns="45720" rIns="91440" bIns="45720" rtlCol="0" anchor="b"/>
+          <a:lstStyle>
+            <a:lvl1pPr algn="r">
+              <a:defRPr sz="1200"/>
+            </a:lvl1pPr>
+          </a:lstStyle>
+          <a:p>
+            <a:fld id="{55630D3E-626C-4900-B5AD-71654F674A70}" type="slidenum">
+              <a:rPr lang="es-ES" smtClean="0"/>
+              <a:t>‹Nº›</a:t>
+            </a:fld>
+            <a:endParaRPr lang="es-ES"/>
+          </a:p>
+        </p:txBody>
+      </p:sp>
+    </p:spTree>
+    <p:extLst>
+      <p:ext uri="{BB962C8B-B14F-4D97-AF65-F5344CB8AC3E}">
+        <p14:creationId xmlns:p14="http://schemas.microsoft.com/office/powerpoint/2010/main" val="1505447103"/>
+      </p:ext>
+    </p:extLst>
+  </p:cSld>
+  <p:clrMap bg1="lt1" tx1="dk1" bg2="lt2" tx2="dk2" accent1="accent1" accent2="accent2" accent3="accent3" accent4="accent4" accent5="accent5" accent6="accent6" hlink="hlink" folHlink="folHlink"/>
+  <p:notesStyle>
+    <a:lvl1pPr marL="0" algn="l" defTabSz="914400" rtl="0" eaLnBrk="1" latinLnBrk="0" hangingPunct="1">
+      <a:defRPr sz="1200" kern="1200">
+        <a:solidFill>
+          <a:schemeClr val="tx1"/>
+        </a:solidFill>
+        <a:latin typeface="+mn-lt"/>
+        <a:ea typeface="+mn-ea"/>
+        <a:cs typeface="+mn-cs"/>
+      </a:defRPr>
+    </a:lvl1pPr>
+    <a:lvl2pPr marL="457200" algn="l" defTabSz="914400" rtl="0" eaLnBrk="1" latinLnBrk="0" hangingPunct="1">
+      <a:defRPr sz="1200" kern="1200">
+        <a:solidFill>
+          <a:schemeClr val="tx1"/>
+        </a:solidFill>
+        <a:latin typeface="+mn-lt"/>
+        <a:ea typeface="+mn-ea"/>
+        <a:cs typeface="+mn-cs"/>
+      </a:defRPr>
+    </a:lvl2pPr>
+    <a:lvl3pPr marL="914400" algn="l" defTabSz="914400" rtl="0" eaLnBrk="1" latinLnBrk="0" hangingPunct="1">
+      <a:defRPr sz="1200" kern="1200">
+        <a:solidFill>
+          <a:schemeClr val="tx1"/>
+        </a:solidFill>
+        <a:latin typeface="+mn-lt"/>
+        <a:ea typeface="+mn-ea"/>
+        <a:cs typeface="+mn-cs"/>
+      </a:defRPr>
+    </a:lvl3pPr>
+    <a:lvl4pPr marL="1371600" algn="l" defTabSz="914400" rtl="0" eaLnBrk="1" latinLnBrk="0" hangingPunct="1">
+      <a:defRPr sz="1200" kern="1200">
+        <a:solidFill>
+          <a:schemeClr val="tx1"/>
+        </a:solidFill>
+        <a:latin typeface="+mn-lt"/>
+        <a:ea typeface="+mn-ea"/>
+        <a:cs typeface="+mn-cs"/>
+      </a:defRPr>
+    </a:lvl4pPr>
+    <a:lvl5pPr marL="1828800" algn="l" defTabSz="914400" rtl="0" eaLnBrk="1" latinLnBrk="0" hangingPunct="1">
+      <a:defRPr sz="1200" kern="1200">
+        <a:solidFill>
+          <a:schemeClr val="tx1"/>
+        </a:solidFill>
+        <a:latin typeface="+mn-lt"/>
+        <a:ea typeface="+mn-ea"/>
+        <a:cs typeface="+mn-cs"/>
+      </a:defRPr>
+    </a:lvl5pPr>
+    <a:lvl6pPr marL="2286000" algn="l" defTabSz="914400" rtl="0" eaLnBrk="1" latinLnBrk="0" hangingPunct="1">
+      <a:defRPr sz="1200" kern="1200">
+        <a:solidFill>
+          <a:schemeClr val="tx1"/>
+        </a:solidFill>
+        <a:latin typeface="+mn-lt"/>
+        <a:ea typeface="+mn-ea"/>
+        <a:cs typeface="+mn-cs"/>
+      </a:defRPr>
+    </a:lvl6pPr>
+    <a:lvl7pPr marL="2743200" algn="l" defTabSz="914400" rtl="0" eaLnBrk="1" latinLnBrk="0" hangingPunct="1">
+      <a:defRPr sz="1200" kern="1200">
+        <a:solidFill>
+          <a:schemeClr val="tx1"/>
+        </a:solidFill>
+        <a:latin typeface="+mn-lt"/>
+        <a:ea typeface="+mn-ea"/>
+        <a:cs typeface="+mn-cs"/>
+      </a:defRPr>
+    </a:lvl7pPr>
+    <a:lvl8pPr marL="3200400" algn="l" defTabSz="914400" rtl="0" eaLnBrk="1" latinLnBrk="0" hangingPunct="1">
+      <a:defRPr sz="1200" kern="1200">
+        <a:solidFill>
+          <a:schemeClr val="tx1"/>
+        </a:solidFill>
+        <a:latin typeface="+mn-lt"/>
+        <a:ea typeface="+mn-ea"/>
+        <a:cs typeface="+mn-cs"/>
+      </a:defRPr>
+    </a:lvl8pPr>
+    <a:lvl9pPr marL="3657600" algn="l" defTabSz="914400" rtl="0" eaLnBrk="1" latinLnBrk="0" hangingPunct="1">
+      <a:defRPr sz="1200" kern="1200">
+        <a:solidFill>
+          <a:schemeClr val="tx1"/>
+        </a:solidFill>
+        <a:latin typeface="+mn-lt"/>
+        <a:ea typeface="+mn-ea"/>
+        <a:cs typeface="+mn-cs"/>
+      </a:defRPr>
+    </a:lvl9pPr>
+  </p:notesStyle>
+</p:notesMaster>
+</file>
+
 <file path=ppt/slideLayouts/slideLayout1.xml><?xml version="1.0" encoding="utf-8"?>
 <p:sldLayout xmlns:a="http://schemas.openxmlformats.org/drawingml/2006/main" xmlns:r="http://schemas.openxmlformats.org/officeDocument/2006/relationships" xmlns:p="http://schemas.openxmlformats.org/presentationml/2006/main" type="title" preserve="1">
   <p:cSld name="Diapositiva de título">
@@ -307,9 +661,9 @@
           <a:bodyPr/>
           <a:lstStyle/>
           <a:p>
-            <a:fld id="{8706C747-23C2-4183-8BBD-502BB6C67378}" type="datetimeFigureOut">
+            <a:fld id="{57CA2A33-97E9-4244-8E68-B31FB3583997}" type="datetime1">
               <a:rPr lang="es-ES" smtClean="0"/>
-              <a:t>09/05/2017</a:t>
+              <a:t>10/05/2017</a:t>
             </a:fld>
             <a:endParaRPr lang="es-ES"/>
           </a:p>
@@ -645,9 +999,9 @@
           <a:bodyPr/>
           <a:lstStyle/>
           <a:p>
-            <a:fld id="{8706C747-23C2-4183-8BBD-502BB6C67378}" type="datetimeFigureOut">
+            <a:fld id="{26358DF6-4ABB-4875-A3A0-C03C4DB41B14}" type="datetime1">
               <a:rPr lang="es-ES" smtClean="0"/>
-              <a:t>09/05/2017</a:t>
+              <a:t>10/05/2017</a:t>
             </a:fld>
             <a:endParaRPr lang="es-ES"/>
           </a:p>
@@ -1046,9 +1400,9 @@
           <a:bodyPr/>
           <a:lstStyle/>
           <a:p>
-            <a:fld id="{8706C747-23C2-4183-8BBD-502BB6C67378}" type="datetimeFigureOut">
+            <a:fld id="{71C50670-B03A-4FD5-9DAD-534C7339384C}" type="datetime1">
               <a:rPr lang="es-ES" smtClean="0"/>
-              <a:t>09/05/2017</a:t>
+              <a:t>10/05/2017</a:t>
             </a:fld>
             <a:endParaRPr lang="es-ES"/>
           </a:p>
@@ -1382,9 +1736,9 @@
           <a:bodyPr/>
           <a:lstStyle/>
           <a:p>
-            <a:fld id="{8706C747-23C2-4183-8BBD-502BB6C67378}" type="datetimeFigureOut">
+            <a:fld id="{0DBE54AD-C9E7-4CED-B3EC-0172A6890BBB}" type="datetime1">
               <a:rPr lang="es-ES" smtClean="0"/>
-              <a:t>09/05/2017</a:t>
+              <a:t>10/05/2017</a:t>
             </a:fld>
             <a:endParaRPr lang="es-ES"/>
           </a:p>
@@ -1702,9 +2056,9 @@
           <a:bodyPr/>
           <a:lstStyle/>
           <a:p>
-            <a:fld id="{8706C747-23C2-4183-8BBD-502BB6C67378}" type="datetimeFigureOut">
+            <a:fld id="{5A033DCC-DDAA-4AD9-B956-9E5DB7207E43}" type="datetime1">
               <a:rPr lang="es-ES" smtClean="0"/>
-              <a:t>09/05/2017</a:t>
+              <a:t>10/05/2017</a:t>
             </a:fld>
             <a:endParaRPr lang="es-ES"/>
           </a:p>
@@ -2098,9 +2452,9 @@
           <a:bodyPr/>
           <a:lstStyle/>
           <a:p>
-            <a:fld id="{8706C747-23C2-4183-8BBD-502BB6C67378}" type="datetimeFigureOut">
+            <a:fld id="{939DE4B3-12B1-4B80-BC69-B71922D17464}" type="datetime1">
               <a:rPr lang="es-ES" smtClean="0"/>
-              <a:t>09/05/2017</a:t>
+              <a:t>10/05/2017</a:t>
             </a:fld>
             <a:endParaRPr lang="es-ES"/>
           </a:p>
@@ -2355,9 +2709,9 @@
           <a:bodyPr/>
           <a:lstStyle/>
           <a:p>
-            <a:fld id="{8706C747-23C2-4183-8BBD-502BB6C67378}" type="datetimeFigureOut">
+            <a:fld id="{B1396634-C19F-4698-973B-2EAC9A204709}" type="datetime1">
               <a:rPr lang="es-ES" smtClean="0"/>
-              <a:t>09/05/2017</a:t>
+              <a:t>10/05/2017</a:t>
             </a:fld>
             <a:endParaRPr lang="es-ES"/>
           </a:p>
@@ -2617,9 +2971,9 @@
           <a:bodyPr/>
           <a:lstStyle/>
           <a:p>
-            <a:fld id="{8706C747-23C2-4183-8BBD-502BB6C67378}" type="datetimeFigureOut">
+            <a:fld id="{51D41B95-69ED-41F6-9E28-221BCBCD764B}" type="datetime1">
               <a:rPr lang="es-ES" smtClean="0"/>
-              <a:t>09/05/2017</a:t>
+              <a:t>10/05/2017</a:t>
             </a:fld>
             <a:endParaRPr lang="es-ES"/>
           </a:p>
@@ -2879,9 +3233,9 @@
           <a:bodyPr/>
           <a:lstStyle/>
           <a:p>
-            <a:fld id="{8706C747-23C2-4183-8BBD-502BB6C67378}" type="datetimeFigureOut">
+            <a:fld id="{76BE62BE-51CB-4E67-AA54-549196D59864}" type="datetime1">
               <a:rPr lang="es-ES" smtClean="0"/>
-              <a:t>09/05/2017</a:t>
+              <a:t>10/05/2017</a:t>
             </a:fld>
             <a:endParaRPr lang="es-ES"/>
           </a:p>
@@ -3208,9 +3562,9 @@
           <a:bodyPr/>
           <a:lstStyle/>
           <a:p>
-            <a:fld id="{8706C747-23C2-4183-8BBD-502BB6C67378}" type="datetimeFigureOut">
+            <a:fld id="{FDEB9187-2B95-4840-B212-7C5BA9C86DB3}" type="datetime1">
               <a:rPr lang="es-ES" smtClean="0"/>
-              <a:t>09/05/2017</a:t>
+              <a:t>10/05/2017</a:t>
             </a:fld>
             <a:endParaRPr lang="es-ES"/>
           </a:p>
@@ -3531,9 +3885,9 @@
           <a:bodyPr/>
           <a:lstStyle/>
           <a:p>
-            <a:fld id="{8706C747-23C2-4183-8BBD-502BB6C67378}" type="datetimeFigureOut">
+            <a:fld id="{7B8C2076-93A1-420F-9C19-4C6EA4C620C3}" type="datetime1">
               <a:rPr lang="es-ES" smtClean="0"/>
-              <a:t>09/05/2017</a:t>
+              <a:t>10/05/2017</a:t>
             </a:fld>
             <a:endParaRPr lang="es-ES"/>
           </a:p>
@@ -3988,9 +4342,9 @@
           <a:bodyPr/>
           <a:lstStyle/>
           <a:p>
-            <a:fld id="{8706C747-23C2-4183-8BBD-502BB6C67378}" type="datetimeFigureOut">
+            <a:fld id="{9935A480-D1CE-49B7-89FC-9CD939C9A084}" type="datetime1">
               <a:rPr lang="es-ES" smtClean="0"/>
-              <a:t>09/05/2017</a:t>
+              <a:t>10/05/2017</a:t>
             </a:fld>
             <a:endParaRPr lang="es-ES"/>
           </a:p>
@@ -4193,9 +4547,9 @@
           <a:bodyPr/>
           <a:lstStyle/>
           <a:p>
-            <a:fld id="{8706C747-23C2-4183-8BBD-502BB6C67378}" type="datetimeFigureOut">
+            <a:fld id="{76AF5714-26D8-4B64-98C7-B66DCB1C96DF}" type="datetime1">
               <a:rPr lang="es-ES" smtClean="0"/>
-              <a:t>09/05/2017</a:t>
+              <a:t>10/05/2017</a:t>
             </a:fld>
             <a:endParaRPr lang="es-ES"/>
           </a:p>
@@ -4370,9 +4724,9 @@
           <a:bodyPr/>
           <a:lstStyle/>
           <a:p>
-            <a:fld id="{8706C747-23C2-4183-8BBD-502BB6C67378}" type="datetimeFigureOut">
+            <a:fld id="{9237797B-2034-4122-86FD-924A15FB7876}" type="datetime1">
               <a:rPr lang="es-ES" smtClean="0"/>
-              <a:t>09/05/2017</a:t>
+              <a:t>10/05/2017</a:t>
             </a:fld>
             <a:endParaRPr lang="es-ES"/>
           </a:p>
@@ -4703,9 +5057,9 @@
           <a:bodyPr/>
           <a:lstStyle/>
           <a:p>
-            <a:fld id="{8706C747-23C2-4183-8BBD-502BB6C67378}" type="datetimeFigureOut">
+            <a:fld id="{69E8F1F3-AC07-4080-8335-06A47BD20C2F}" type="datetime1">
               <a:rPr lang="es-ES" smtClean="0"/>
-              <a:t>09/05/2017</a:t>
+              <a:t>10/05/2017</a:t>
             </a:fld>
             <a:endParaRPr lang="es-ES"/>
           </a:p>
@@ -5048,9 +5402,9 @@
           <a:bodyPr/>
           <a:lstStyle/>
           <a:p>
-            <a:fld id="{8706C747-23C2-4183-8BBD-502BB6C67378}" type="datetimeFigureOut">
+            <a:fld id="{CD5F64EE-57D7-47E0-9ECD-C2EA98721822}" type="datetime1">
               <a:rPr lang="es-ES" smtClean="0"/>
-              <a:t>09/05/2017</a:t>
+              <a:t>10/05/2017</a:t>
             </a:fld>
             <a:endParaRPr lang="es-ES"/>
           </a:p>
@@ -7165,9 +7519,9 @@
             </a:lvl1pPr>
           </a:lstStyle>
           <a:p>
-            <a:fld id="{8706C747-23C2-4183-8BBD-502BB6C67378}" type="datetimeFigureOut">
+            <a:fld id="{7BB9525B-F16E-4856-ABDB-9288B2BF9002}" type="datetime1">
               <a:rPr lang="es-ES" smtClean="0"/>
-              <a:t>09/05/2017</a:t>
+              <a:t>10/05/2017</a:t>
             </a:fld>
             <a:endParaRPr lang="es-ES"/>
           </a:p>
@@ -7275,6 +7629,7 @@
     <p:sldLayoutId id="2147483692" r:id="rId15"/>
     <p:sldLayoutId id="2147483693" r:id="rId16"/>
   </p:sldLayoutIdLst>
+  <p:hf hdr="0" ftr="0" dt="0"/>
   <p:txStyles>
     <p:titleStyle>
       <a:lvl1pPr algn="l" defTabSz="457200" rtl="0" eaLnBrk="1" latinLnBrk="0" hangingPunct="1">
@@ -7781,44 +8136,263 @@
           <a:p>
             <a:r>
               <a:rPr lang="es-ES" dirty="0"/>
-              <a:t>Buscar restaurantes por palabra clave</a:t>
-            </a:r>
-          </a:p>
-        </p:txBody>
-      </p:sp>
-      <p:pic>
-        <p:nvPicPr>
-          <p:cNvPr id="5" name="Marcador de contenido 4"/>
-          <p:cNvPicPr>
-            <a:picLocks noGrp="1" noChangeAspect="1"/>
-          </p:cNvPicPr>
-          <p:nvPr>
-            <p:ph idx="1"/>
-          </p:nvPr>
-        </p:nvPicPr>
-        <p:blipFill>
-          <a:blip r:embed="rId2">
-            <a:extLst>
-              <a:ext uri="{28A0092B-C50C-407E-A947-70E740481C1C}">
-                <a14:useLocalDpi xmlns:a14="http://schemas.microsoft.com/office/drawing/2010/main" val="0"/>
-              </a:ext>
-            </a:extLst>
-          </a:blip>
-          <a:stretch>
-            <a:fillRect/>
-          </a:stretch>
-        </p:blipFill>
+              <a:t>Introducción</a:t>
+            </a:r>
+          </a:p>
+        </p:txBody>
+      </p:sp>
+      <p:sp>
+        <p:nvSpPr>
+          <p:cNvPr id="4" name="CuadroTexto 3"/>
+          <p:cNvSpPr txBox="1"/>
+          <p:nvPr/>
+        </p:nvSpPr>
         <p:spPr>
           <a:xfrm>
-            <a:off x="2592925" y="1544008"/>
-            <a:ext cx="7615195" cy="5040000"/>
+            <a:off x="6054571" y="1905000"/>
+            <a:ext cx="4935984" cy="4216539"/>
+          </a:xfrm>
+          <a:prstGeom prst="rect">
+            <a:avLst/>
+          </a:prstGeom>
+          <a:noFill/>
+        </p:spPr>
+        <p:txBody>
+          <a:bodyPr wrap="square" rtlCol="0" anchor="t">
+            <a:spAutoFit/>
+          </a:bodyPr>
+          <a:lstStyle/>
+          <a:p>
+            <a:pPr marL="342900" indent="-342900">
+              <a:buFont typeface="Wingdings" panose="05000000000000000000" pitchFamily="2" charset="2"/>
+              <a:buChar char="v"/>
+            </a:pPr>
+            <a:r>
+              <a:rPr lang="es-ES" sz="2400" b="1" dirty="0"/>
+              <a:t>Funcionamiento principal</a:t>
+            </a:r>
+            <a:r>
+              <a:rPr lang="es-ES" sz="2400" dirty="0"/>
+              <a:t>:</a:t>
+            </a:r>
+          </a:p>
+          <a:p>
+            <a:endParaRPr lang="es-ES" sz="2400" dirty="0"/>
+          </a:p>
+          <a:p>
+            <a:pPr marL="800100" lvl="1" indent="-342900">
+              <a:buFont typeface="Wingdings" panose="05000000000000000000" pitchFamily="2" charset="2"/>
+              <a:buChar char="v"/>
+            </a:pPr>
+            <a:r>
+              <a:rPr lang="es-ES" sz="2000" dirty="0"/>
+              <a:t>Pedir comida a restaurantes</a:t>
+            </a:r>
+          </a:p>
+          <a:p>
+            <a:pPr lvl="1"/>
+            <a:endParaRPr lang="es-ES" sz="2000" dirty="0"/>
+          </a:p>
+          <a:p>
+            <a:pPr marL="800100" lvl="1" indent="-342900">
+              <a:buFont typeface="Wingdings" panose="05000000000000000000" pitchFamily="2" charset="2"/>
+              <a:buChar char="v"/>
+            </a:pPr>
+            <a:r>
+              <a:rPr lang="es-ES" sz="2000" dirty="0"/>
+              <a:t>Escribir comentarios</a:t>
+            </a:r>
+          </a:p>
+          <a:p>
+            <a:pPr lvl="1"/>
+            <a:endParaRPr lang="es-ES" sz="2000" dirty="0"/>
+          </a:p>
+          <a:p>
+            <a:pPr marL="800100" lvl="1" indent="-342900">
+              <a:buFont typeface="Wingdings" panose="05000000000000000000" pitchFamily="2" charset="2"/>
+              <a:buChar char="v"/>
+            </a:pPr>
+            <a:r>
+              <a:rPr lang="es-ES" sz="2000" dirty="0"/>
+              <a:t>Reportar comentarios</a:t>
+            </a:r>
+          </a:p>
+          <a:p>
+            <a:pPr lvl="1"/>
+            <a:endParaRPr lang="es-ES" sz="2000" dirty="0"/>
+          </a:p>
+          <a:p>
+            <a:pPr marL="800100" lvl="1" indent="-342900">
+              <a:buFont typeface="Wingdings" panose="05000000000000000000" pitchFamily="2" charset="2"/>
+              <a:buChar char="v"/>
+            </a:pPr>
+            <a:r>
+              <a:rPr lang="es-ES" sz="2000" dirty="0"/>
+              <a:t>Promocionar restaurantes</a:t>
+            </a:r>
+          </a:p>
+          <a:p>
+            <a:pPr lvl="1"/>
+            <a:endParaRPr lang="es-ES" sz="2000" dirty="0"/>
+          </a:p>
+          <a:p>
+            <a:pPr marL="800100" lvl="1" indent="-342900">
+              <a:buFont typeface="Wingdings" panose="05000000000000000000" pitchFamily="2" charset="2"/>
+              <a:buChar char="v"/>
+            </a:pPr>
+            <a:r>
+              <a:rPr lang="es-ES" sz="2000" dirty="0"/>
+              <a:t>Escribir críticas</a:t>
+            </a:r>
+          </a:p>
+          <a:p>
+            <a:pPr lvl="1"/>
+            <a:endParaRPr lang="es-ES" sz="2000" dirty="0"/>
+          </a:p>
+          <a:p>
+            <a:pPr marL="800100" lvl="1" indent="-342900">
+              <a:buFont typeface="Wingdings" panose="05000000000000000000" pitchFamily="2" charset="2"/>
+              <a:buChar char="v"/>
+            </a:pPr>
+            <a:r>
+              <a:rPr lang="es-ES" sz="2000" dirty="0"/>
+              <a:t>Banear usuarios reportados</a:t>
+            </a:r>
+          </a:p>
+        </p:txBody>
+      </p:sp>
+      <p:sp>
+        <p:nvSpPr>
+          <p:cNvPr id="8" name="CuadroTexto 7"/>
+          <p:cNvSpPr txBox="1"/>
+          <p:nvPr/>
+        </p:nvSpPr>
+        <p:spPr>
+          <a:xfrm>
+            <a:off x="2592925" y="1905000"/>
+            <a:ext cx="3461646" cy="2985433"/>
+          </a:xfrm>
+          <a:prstGeom prst="rect">
+            <a:avLst/>
+          </a:prstGeom>
+          <a:noFill/>
+        </p:spPr>
+        <p:txBody>
+          <a:bodyPr wrap="square" rtlCol="0" anchor="t">
+            <a:spAutoFit/>
+          </a:bodyPr>
+          <a:lstStyle/>
+          <a:p>
+            <a:pPr marL="285750" indent="-285750">
+              <a:buFont typeface="Wingdings" panose="05000000000000000000" pitchFamily="2" charset="2"/>
+              <a:buChar char="v"/>
+            </a:pPr>
+            <a:r>
+              <a:rPr lang="es-ES" sz="2400" b="1" dirty="0"/>
+              <a:t>Actores del sistema</a:t>
+            </a:r>
+            <a:r>
+              <a:rPr lang="es-ES" sz="2400" dirty="0"/>
+              <a:t>:</a:t>
+            </a:r>
+          </a:p>
+          <a:p>
+            <a:endParaRPr lang="es-ES" sz="2400" dirty="0"/>
+          </a:p>
+          <a:p>
+            <a:pPr marL="742950" lvl="1" indent="-285750">
+              <a:buFont typeface="Wingdings" panose="05000000000000000000" pitchFamily="2" charset="2"/>
+              <a:buChar char="v"/>
+            </a:pPr>
+            <a:r>
+              <a:rPr lang="es-ES" sz="2000" dirty="0"/>
+              <a:t>Usuarios</a:t>
+            </a:r>
+          </a:p>
+          <a:p>
+            <a:pPr lvl="1"/>
+            <a:endParaRPr lang="es-ES" sz="2000" dirty="0"/>
+          </a:p>
+          <a:p>
+            <a:pPr marL="742950" lvl="1" indent="-285750">
+              <a:buFont typeface="Wingdings" panose="05000000000000000000" pitchFamily="2" charset="2"/>
+              <a:buChar char="v"/>
+            </a:pPr>
+            <a:r>
+              <a:rPr lang="es-ES" sz="2000" dirty="0"/>
+              <a:t>Managers</a:t>
+            </a:r>
+          </a:p>
+          <a:p>
+            <a:pPr lvl="1"/>
+            <a:endParaRPr lang="es-ES" sz="2000" dirty="0"/>
+          </a:p>
+          <a:p>
+            <a:pPr marL="742950" lvl="1" indent="-285750">
+              <a:buFont typeface="Wingdings" panose="05000000000000000000" pitchFamily="2" charset="2"/>
+              <a:buChar char="v"/>
+            </a:pPr>
+            <a:r>
+              <a:rPr lang="es-ES" sz="2000" dirty="0"/>
+              <a:t>Críticos</a:t>
+            </a:r>
+          </a:p>
+          <a:p>
+            <a:pPr lvl="1"/>
+            <a:endParaRPr lang="es-ES" sz="2000" dirty="0"/>
+          </a:p>
+          <a:p>
+            <a:pPr marL="742950" lvl="1" indent="-285750">
+              <a:buFont typeface="Wingdings" panose="05000000000000000000" pitchFamily="2" charset="2"/>
+              <a:buChar char="v"/>
+            </a:pPr>
+            <a:r>
+              <a:rPr lang="es-ES" sz="2000" dirty="0"/>
+              <a:t>Administrador</a:t>
+            </a:r>
+          </a:p>
+        </p:txBody>
+      </p:sp>
+      <p:sp>
+        <p:nvSpPr>
+          <p:cNvPr id="9" name="Marcador de número de diapositiva 8"/>
+          <p:cNvSpPr>
+            <a:spLocks noGrp="1"/>
+          </p:cNvSpPr>
+          <p:nvPr>
+            <p:ph type="sldNum" sz="quarter" idx="12"/>
+          </p:nvPr>
+        </p:nvSpPr>
+        <p:spPr>
+          <a:xfrm>
+            <a:off x="11203619" y="6309692"/>
+            <a:ext cx="779767" cy="365125"/>
           </a:xfrm>
         </p:spPr>
-      </p:pic>
+        <p:txBody>
+          <a:bodyPr/>
+          <a:lstStyle/>
+          <a:p>
+            <a:fld id="{C2DFFFEA-53B9-4CE7-8B72-95D2E2DC58E2}" type="slidenum">
+              <a:rPr lang="es-ES" smtClean="0">
+                <a:solidFill>
+                  <a:schemeClr val="tx1"/>
+                </a:solidFill>
+              </a:rPr>
+              <a:t>2</a:t>
+            </a:fld>
+            <a:endParaRPr lang="es-ES" dirty="0">
+              <a:solidFill>
+                <a:schemeClr val="tx1"/>
+              </a:solidFill>
+            </a:endParaRPr>
+          </a:p>
+        </p:txBody>
+      </p:sp>
     </p:spTree>
     <p:extLst>
       <p:ext uri="{BB962C8B-B14F-4D97-AF65-F5344CB8AC3E}">
-        <p14:creationId xmlns:p14="http://schemas.microsoft.com/office/powerpoint/2010/main" val="2773029923"/>
+        <p14:creationId xmlns:p14="http://schemas.microsoft.com/office/powerpoint/2010/main" val="173443711"/>
       </p:ext>
     </p:extLst>
   </p:cSld>
@@ -7862,7 +8436,7 @@
           <a:p>
             <a:r>
               <a:rPr lang="es-ES" dirty="0"/>
-              <a:t>Añadir comida a tu pedido</a:t>
+              <a:t>Buscar restaurantes por palabra clave</a:t>
             </a:r>
           </a:p>
         </p:txBody>
@@ -7871,7 +8445,7 @@
         <p:nvPicPr>
           <p:cNvPr id="5" name="Marcador de contenido 4"/>
           <p:cNvPicPr>
-            <a:picLocks noGrp="1"/>
+            <a:picLocks noGrp="1" noChangeAspect="1"/>
           </p:cNvPicPr>
           <p:nvPr>
             <p:ph idx="1"/>
@@ -7891,15 +8465,51 @@
         </p:blipFill>
         <p:spPr>
           <a:xfrm>
-            <a:off x="2592925" y="1540156"/>
-            <a:ext cx="7614000" cy="5040000"/>
+            <a:off x="2592925" y="1544008"/>
+            <a:ext cx="7615195" cy="5040000"/>
           </a:xfrm>
         </p:spPr>
       </p:pic>
+      <p:sp>
+        <p:nvSpPr>
+          <p:cNvPr id="3" name="Marcador de número de diapositiva 2"/>
+          <p:cNvSpPr>
+            <a:spLocks noGrp="1"/>
+          </p:cNvSpPr>
+          <p:nvPr>
+            <p:ph type="sldNum" sz="quarter" idx="12"/>
+          </p:nvPr>
+        </p:nvSpPr>
+        <p:spPr>
+          <a:xfrm>
+            <a:off x="11211648" y="6318571"/>
+            <a:ext cx="779767" cy="365125"/>
+          </a:xfrm>
+        </p:spPr>
+        <p:txBody>
+          <a:bodyPr/>
+          <a:lstStyle/>
+          <a:p>
+            <a:fld id="{C2DFFFEA-53B9-4CE7-8B72-95D2E2DC58E2}" type="slidenum">
+              <a:rPr lang="es-ES" smtClean="0">
+                <a:solidFill>
+                  <a:schemeClr val="tx1"/>
+                </a:solidFill>
+              </a:rPr>
+              <a:t>3</a:t>
+            </a:fld>
+            <a:endParaRPr lang="es-ES" dirty="0">
+              <a:solidFill>
+                <a:schemeClr val="tx1"/>
+              </a:solidFill>
+            </a:endParaRPr>
+          </a:p>
+        </p:txBody>
+      </p:sp>
     </p:spTree>
     <p:extLst>
       <p:ext uri="{BB962C8B-B14F-4D97-AF65-F5344CB8AC3E}">
-        <p14:creationId xmlns:p14="http://schemas.microsoft.com/office/powerpoint/2010/main" val="867142662"/>
+        <p14:creationId xmlns:p14="http://schemas.microsoft.com/office/powerpoint/2010/main" val="2773029923"/>
       </p:ext>
     </p:extLst>
   </p:cSld>
@@ -7943,7 +8553,7 @@
           <a:p>
             <a:r>
               <a:rPr lang="es-ES" dirty="0"/>
-              <a:t>Realizar pago del pedido</a:t>
+              <a:t>Añadir comida a tu pedido</a:t>
             </a:r>
           </a:p>
         </p:txBody>
@@ -7972,15 +8582,51 @@
         </p:blipFill>
         <p:spPr>
           <a:xfrm>
-            <a:off x="2592925" y="1540359"/>
+            <a:off x="2592925" y="1540156"/>
             <a:ext cx="7614000" cy="5040000"/>
           </a:xfrm>
         </p:spPr>
       </p:pic>
+      <p:sp>
+        <p:nvSpPr>
+          <p:cNvPr id="3" name="Marcador de número de diapositiva 2"/>
+          <p:cNvSpPr>
+            <a:spLocks noGrp="1"/>
+          </p:cNvSpPr>
+          <p:nvPr>
+            <p:ph type="sldNum" sz="quarter" idx="12"/>
+          </p:nvPr>
+        </p:nvSpPr>
+        <p:spPr>
+          <a:xfrm>
+            <a:off x="11211649" y="6309693"/>
+            <a:ext cx="779767" cy="365125"/>
+          </a:xfrm>
+        </p:spPr>
+        <p:txBody>
+          <a:bodyPr/>
+          <a:lstStyle/>
+          <a:p>
+            <a:fld id="{C2DFFFEA-53B9-4CE7-8B72-95D2E2DC58E2}" type="slidenum">
+              <a:rPr lang="es-ES" smtClean="0">
+                <a:solidFill>
+                  <a:schemeClr val="tx1"/>
+                </a:solidFill>
+              </a:rPr>
+              <a:t>4</a:t>
+            </a:fld>
+            <a:endParaRPr lang="es-ES" dirty="0">
+              <a:solidFill>
+                <a:schemeClr val="tx1"/>
+              </a:solidFill>
+            </a:endParaRPr>
+          </a:p>
+        </p:txBody>
+      </p:sp>
     </p:spTree>
     <p:extLst>
       <p:ext uri="{BB962C8B-B14F-4D97-AF65-F5344CB8AC3E}">
-        <p14:creationId xmlns:p14="http://schemas.microsoft.com/office/powerpoint/2010/main" val="3708500918"/>
+        <p14:creationId xmlns:p14="http://schemas.microsoft.com/office/powerpoint/2010/main" val="867142662"/>
       </p:ext>
     </p:extLst>
   </p:cSld>
@@ -8024,7 +8670,7 @@
           <a:p>
             <a:r>
               <a:rPr lang="es-ES" dirty="0"/>
-              <a:t>Reportar un comentario</a:t>
+              <a:t>Realizar pago del pedido</a:t>
             </a:r>
           </a:p>
         </p:txBody>
@@ -8053,15 +8699,51 @@
         </p:blipFill>
         <p:spPr>
           <a:xfrm>
-            <a:off x="2592925" y="1507788"/>
+            <a:off x="2592925" y="1540359"/>
             <a:ext cx="7614000" cy="5040000"/>
           </a:xfrm>
         </p:spPr>
       </p:pic>
+      <p:sp>
+        <p:nvSpPr>
+          <p:cNvPr id="3" name="Marcador de número de diapositiva 2"/>
+          <p:cNvSpPr>
+            <a:spLocks noGrp="1"/>
+          </p:cNvSpPr>
+          <p:nvPr>
+            <p:ph type="sldNum" sz="quarter" idx="12"/>
+          </p:nvPr>
+        </p:nvSpPr>
+        <p:spPr>
+          <a:xfrm>
+            <a:off x="11220526" y="6318570"/>
+            <a:ext cx="779767" cy="365125"/>
+          </a:xfrm>
+        </p:spPr>
+        <p:txBody>
+          <a:bodyPr/>
+          <a:lstStyle/>
+          <a:p>
+            <a:fld id="{C2DFFFEA-53B9-4CE7-8B72-95D2E2DC58E2}" type="slidenum">
+              <a:rPr lang="es-ES" smtClean="0">
+                <a:solidFill>
+                  <a:schemeClr val="tx1"/>
+                </a:solidFill>
+              </a:rPr>
+              <a:t>5</a:t>
+            </a:fld>
+            <a:endParaRPr lang="es-ES" dirty="0">
+              <a:solidFill>
+                <a:schemeClr val="tx1"/>
+              </a:solidFill>
+            </a:endParaRPr>
+          </a:p>
+        </p:txBody>
+      </p:sp>
     </p:spTree>
     <p:extLst>
       <p:ext uri="{BB962C8B-B14F-4D97-AF65-F5344CB8AC3E}">
-        <p14:creationId xmlns:p14="http://schemas.microsoft.com/office/powerpoint/2010/main" val="272004522"/>
+        <p14:creationId xmlns:p14="http://schemas.microsoft.com/office/powerpoint/2010/main" val="3708500918"/>
       </p:ext>
     </p:extLst>
   </p:cSld>
@@ -8105,6 +8787,123 @@
           <a:p>
             <a:r>
               <a:rPr lang="es-ES" dirty="0"/>
+              <a:t>Reportar un comentario</a:t>
+            </a:r>
+          </a:p>
+        </p:txBody>
+      </p:sp>
+      <p:pic>
+        <p:nvPicPr>
+          <p:cNvPr id="5" name="Marcador de contenido 4"/>
+          <p:cNvPicPr>
+            <a:picLocks noGrp="1"/>
+          </p:cNvPicPr>
+          <p:nvPr>
+            <p:ph idx="1"/>
+          </p:nvPr>
+        </p:nvPicPr>
+        <p:blipFill>
+          <a:blip r:embed="rId2">
+            <a:extLst>
+              <a:ext uri="{28A0092B-C50C-407E-A947-70E740481C1C}">
+                <a14:useLocalDpi xmlns:a14="http://schemas.microsoft.com/office/drawing/2010/main" val="0"/>
+              </a:ext>
+            </a:extLst>
+          </a:blip>
+          <a:stretch>
+            <a:fillRect/>
+          </a:stretch>
+        </p:blipFill>
+        <p:spPr>
+          <a:xfrm>
+            <a:off x="2592925" y="1507788"/>
+            <a:ext cx="7614000" cy="5040000"/>
+          </a:xfrm>
+        </p:spPr>
+      </p:pic>
+      <p:sp>
+        <p:nvSpPr>
+          <p:cNvPr id="3" name="Marcador de número de diapositiva 2"/>
+          <p:cNvSpPr>
+            <a:spLocks noGrp="1"/>
+          </p:cNvSpPr>
+          <p:nvPr>
+            <p:ph type="sldNum" sz="quarter" idx="12"/>
+          </p:nvPr>
+        </p:nvSpPr>
+        <p:spPr>
+          <a:xfrm>
+            <a:off x="11211650" y="6303081"/>
+            <a:ext cx="779767" cy="365125"/>
+          </a:xfrm>
+        </p:spPr>
+        <p:txBody>
+          <a:bodyPr/>
+          <a:lstStyle/>
+          <a:p>
+            <a:fld id="{C2DFFFEA-53B9-4CE7-8B72-95D2E2DC58E2}" type="slidenum">
+              <a:rPr lang="es-ES" smtClean="0">
+                <a:solidFill>
+                  <a:schemeClr val="tx1"/>
+                </a:solidFill>
+              </a:rPr>
+              <a:t>6</a:t>
+            </a:fld>
+            <a:endParaRPr lang="es-ES" dirty="0">
+              <a:solidFill>
+                <a:schemeClr val="tx1"/>
+              </a:solidFill>
+            </a:endParaRPr>
+          </a:p>
+        </p:txBody>
+      </p:sp>
+    </p:spTree>
+    <p:extLst>
+      <p:ext uri="{BB962C8B-B14F-4D97-AF65-F5344CB8AC3E}">
+        <p14:creationId xmlns:p14="http://schemas.microsoft.com/office/powerpoint/2010/main" val="272004522"/>
+      </p:ext>
+    </p:extLst>
+  </p:cSld>
+  <p:clrMapOvr>
+    <a:masterClrMapping/>
+  </p:clrMapOvr>
+</p:sld>
+</file>
+
+<file path=ppt/slides/slide7.xml><?xml version="1.0" encoding="utf-8"?>
+<p:sld xmlns:a="http://schemas.openxmlformats.org/drawingml/2006/main" xmlns:r="http://schemas.openxmlformats.org/officeDocument/2006/relationships" xmlns:p="http://schemas.openxmlformats.org/presentationml/2006/main">
+  <p:cSld>
+    <p:spTree>
+      <p:nvGrpSpPr>
+        <p:cNvPr id="1" name=""/>
+        <p:cNvGrpSpPr/>
+        <p:nvPr/>
+      </p:nvGrpSpPr>
+      <p:grpSpPr>
+        <a:xfrm>
+          <a:off x="0" y="0"/>
+          <a:ext cx="0" cy="0"/>
+          <a:chOff x="0" y="0"/>
+          <a:chExt cx="0" cy="0"/>
+        </a:xfrm>
+      </p:grpSpPr>
+      <p:sp>
+        <p:nvSpPr>
+          <p:cNvPr id="2" name="Título 1"/>
+          <p:cNvSpPr>
+            <a:spLocks noGrp="1"/>
+          </p:cNvSpPr>
+          <p:nvPr>
+            <p:ph type="title"/>
+          </p:nvPr>
+        </p:nvSpPr>
+        <p:spPr/>
+        <p:txBody>
+          <a:bodyPr/>
+          <a:lstStyle/>
+          <a:p>
+            <a:r>
+              <a:rPr lang="es-ES" dirty="0"/>
               <a:t>A+: </a:t>
             </a:r>
             <a:r>
@@ -8211,10 +9010,116 @@
           </a:p>
         </p:txBody>
       </p:sp>
+      <p:sp>
+        <p:nvSpPr>
+          <p:cNvPr id="3" name="Marcador de número de diapositiva 2"/>
+          <p:cNvSpPr>
+            <a:spLocks noGrp="1"/>
+          </p:cNvSpPr>
+          <p:nvPr>
+            <p:ph type="sldNum" sz="quarter" idx="12"/>
+          </p:nvPr>
+        </p:nvSpPr>
+        <p:spPr>
+          <a:xfrm>
+            <a:off x="11202771" y="6291937"/>
+            <a:ext cx="779767" cy="365125"/>
+          </a:xfrm>
+        </p:spPr>
+        <p:txBody>
+          <a:bodyPr/>
+          <a:lstStyle/>
+          <a:p>
+            <a:fld id="{C2DFFFEA-53B9-4CE7-8B72-95D2E2DC58E2}" type="slidenum">
+              <a:rPr lang="es-ES" smtClean="0">
+                <a:solidFill>
+                  <a:schemeClr val="tx1"/>
+                </a:solidFill>
+              </a:rPr>
+              <a:t>7</a:t>
+            </a:fld>
+            <a:endParaRPr lang="es-ES" dirty="0">
+              <a:solidFill>
+                <a:schemeClr val="tx1"/>
+              </a:solidFill>
+            </a:endParaRPr>
+          </a:p>
+        </p:txBody>
+      </p:sp>
     </p:spTree>
     <p:extLst>
       <p:ext uri="{BB962C8B-B14F-4D97-AF65-F5344CB8AC3E}">
         <p14:creationId xmlns:p14="http://schemas.microsoft.com/office/powerpoint/2010/main" val="1972308689"/>
+      </p:ext>
+    </p:extLst>
+  </p:cSld>
+  <p:clrMapOvr>
+    <a:masterClrMapping/>
+  </p:clrMapOvr>
+</p:sld>
+</file>
+
+<file path=ppt/slides/slide8.xml><?xml version="1.0" encoding="utf-8"?>
+<p:sld xmlns:a="http://schemas.openxmlformats.org/drawingml/2006/main" xmlns:r="http://schemas.openxmlformats.org/officeDocument/2006/relationships" xmlns:p="http://schemas.openxmlformats.org/presentationml/2006/main">
+  <p:cSld>
+    <p:spTree>
+      <p:nvGrpSpPr>
+        <p:cNvPr id="1" name=""/>
+        <p:cNvGrpSpPr/>
+        <p:nvPr/>
+      </p:nvGrpSpPr>
+      <p:grpSpPr>
+        <a:xfrm>
+          <a:off x="0" y="0"/>
+          <a:ext cx="0" cy="0"/>
+          <a:chOff x="0" y="0"/>
+          <a:chExt cx="0" cy="0"/>
+        </a:xfrm>
+      </p:grpSpPr>
+      <p:sp>
+        <p:nvSpPr>
+          <p:cNvPr id="3" name="Marcador de contenido 2"/>
+          <p:cNvSpPr>
+            <a:spLocks noGrp="1"/>
+          </p:cNvSpPr>
+          <p:nvPr>
+            <p:ph idx="1"/>
+          </p:nvPr>
+        </p:nvSpPr>
+        <p:spPr/>
+        <p:txBody>
+          <a:bodyPr>
+            <a:normAutofit/>
+          </a:bodyPr>
+          <a:lstStyle/>
+          <a:p>
+            <a:pPr marL="0" indent="0" algn="ctr">
+              <a:buNone/>
+            </a:pPr>
+            <a:r>
+              <a:rPr lang="es-ES" sz="4800" dirty="0"/>
+              <a:t>¡Gracias por su atención!</a:t>
+            </a:r>
+          </a:p>
+          <a:p>
+            <a:pPr algn="ctr"/>
+            <a:endParaRPr lang="es-ES" sz="4800" dirty="0"/>
+          </a:p>
+          <a:p>
+            <a:pPr marL="0" indent="0" algn="ctr">
+              <a:buNone/>
+            </a:pPr>
+            <a:r>
+              <a:rPr lang="es-ES" sz="4800" dirty="0"/>
+              <a:t>¿Alguna pregunta?</a:t>
+            </a:r>
+          </a:p>
+        </p:txBody>
+      </p:sp>
+    </p:spTree>
+    <p:extLst>
+      <p:ext uri="{BB962C8B-B14F-4D97-AF65-F5344CB8AC3E}">
+        <p14:creationId xmlns:p14="http://schemas.microsoft.com/office/powerpoint/2010/main" val="2867572914"/>
       </p:ext>
     </p:extLst>
   </p:cSld>
@@ -8465,4 +9370,299 @@
     </a:ext>
   </a:extLst>
 </a:theme>
+</file>
+
+<file path=ppt/theme/theme2.xml><?xml version="1.0" encoding="utf-8"?>
+<a:theme xmlns:a="http://schemas.openxmlformats.org/drawingml/2006/main" name="Tema de Office">
+  <a:themeElements>
+    <a:clrScheme name="Office">
+      <a:dk1>
+        <a:sysClr val="windowText" lastClr="000000"/>
+      </a:dk1>
+      <a:lt1>
+        <a:sysClr val="window" lastClr="FFFFFF"/>
+      </a:lt1>
+      <a:dk2>
+        <a:srgbClr val="44546A"/>
+      </a:dk2>
+      <a:lt2>
+        <a:srgbClr val="E7E6E6"/>
+      </a:lt2>
+      <a:accent1>
+        <a:srgbClr val="4472C4"/>
+      </a:accent1>
+      <a:accent2>
+        <a:srgbClr val="ED7D31"/>
+      </a:accent2>
+      <a:accent3>
+        <a:srgbClr val="A5A5A5"/>
+      </a:accent3>
+      <a:accent4>
+        <a:srgbClr val="FFC000"/>
+      </a:accent4>
+      <a:accent5>
+        <a:srgbClr val="5B9BD5"/>
+      </a:accent5>
+      <a:accent6>
+        <a:srgbClr val="70AD47"/>
+      </a:accent6>
+      <a:hlink>
+        <a:srgbClr val="0563C1"/>
+      </a:hlink>
+      <a:folHlink>
+        <a:srgbClr val="954F72"/>
+      </a:folHlink>
+    </a:clrScheme>
+    <a:fontScheme name="Office">
+      <a:majorFont>
+        <a:latin typeface="Calibri Light" panose="020F0302020204030204"/>
+        <a:ea typeface=""/>
+        <a:cs typeface=""/>
+        <a:font script="Jpan" typeface="游ゴシック Light"/>
+        <a:font script="Hang" typeface="맑은 고딕"/>
+        <a:font script="Hans" typeface="等线 Light"/>
+        <a:font script="Hant" typeface="新細明體"/>
+        <a:font script="Arab" typeface="Times New Roman"/>
+        <a:font script="Hebr" typeface="Times New Roman"/>
+        <a:font script="Thai" typeface="Angsana New"/>
+        <a:font script="Ethi" typeface="Nyala"/>
+        <a:font script="Beng" typeface="Vrinda"/>
+        <a:font script="Gujr" typeface="Shruti"/>
+        <a:font script="Khmr" typeface="MoolBoran"/>
+        <a:font script="Knda" typeface="Tunga"/>
+        <a:font script="Guru" typeface="Raavi"/>
+        <a:font script="Cans" typeface="Euphemia"/>
+        <a:font script="Cher" typeface="Plantagenet Cherokee"/>
+        <a:font script="Yiii" typeface="Microsoft Yi Baiti"/>
+        <a:font script="Tibt" typeface="Microsoft Himalaya"/>
+        <a:font script="Thaa" typeface="MV Boli"/>
+        <a:font script="Deva" typeface="Mangal"/>
+        <a:font script="Telu" typeface="Gautami"/>
+        <a:font script="Taml" typeface="Latha"/>
+        <a:font script="Syrc" typeface="Estrangelo Edessa"/>
+        <a:font script="Orya" typeface="Kalinga"/>
+        <a:font script="Mlym" typeface="Kartika"/>
+        <a:font script="Laoo" typeface="DokChampa"/>
+        <a:font script="Sinh" typeface="Iskoola Pota"/>
+        <a:font script="Mong" typeface="Mongolian Baiti"/>
+        <a:font script="Viet" typeface="Times New Roman"/>
+        <a:font script="Uigh" typeface="Microsoft Uighur"/>
+        <a:font script="Geor" typeface="Sylfaen"/>
+        <a:font script="Armn" typeface="Arial"/>
+        <a:font script="Bugi" typeface="Leelawadee UI"/>
+        <a:font script="Bopo" typeface="Microsoft JhengHei"/>
+        <a:font script="Java" typeface="Javanese Text"/>
+        <a:font script="Lisu" typeface="Segoe UI"/>
+        <a:font script="Mymr" typeface="Myanmar Text"/>
+        <a:font script="Nkoo" typeface="Ebrima"/>
+        <a:font script="Olck" typeface="Nirmala UI"/>
+        <a:font script="Osma" typeface="Ebrima"/>
+        <a:font script="Phag" typeface="Phagspa"/>
+        <a:font script="Syrn" typeface="Estrangelo Edessa"/>
+        <a:font script="Syrj" typeface="Estrangelo Edessa"/>
+        <a:font script="Syre" typeface="Estrangelo Edessa"/>
+        <a:font script="Sora" typeface="Nirmala UI"/>
+        <a:font script="Tale" typeface="Microsoft Tai Le"/>
+        <a:font script="Talu" typeface="Microsoft New Tai Lue"/>
+        <a:font script="Tfng" typeface="Ebrima"/>
+      </a:majorFont>
+      <a:minorFont>
+        <a:latin typeface="Calibri" panose="020F0502020204030204"/>
+        <a:ea typeface=""/>
+        <a:cs typeface=""/>
+        <a:font script="Jpan" typeface="游ゴシック"/>
+        <a:font script="Hang" typeface="맑은 고딕"/>
+        <a:font script="Hans" typeface="等线"/>
+        <a:font script="Hant" typeface="新細明體"/>
+        <a:font script="Arab" typeface="Arial"/>
+        <a:font script="Hebr" typeface="Arial"/>
+        <a:font script="Thai" typeface="Cordia New"/>
+        <a:font script="Ethi" typeface="Nyala"/>
+        <a:font script="Beng" typeface="Vrinda"/>
+        <a:font script="Gujr" typeface="Shruti"/>
+        <a:font script="Khmr" typeface="DaunPenh"/>
+        <a:font script="Knda" typeface="Tunga"/>
+        <a:font script="Guru" typeface="Raavi"/>
+        <a:font script="Cans" typeface="Euphemia"/>
+        <a:font script="Cher" typeface="Plantagenet Cherokee"/>
+        <a:font script="Yiii" typeface="Microsoft Yi Baiti"/>
+        <a:font script="Tibt" typeface="Microsoft Himalaya"/>
+        <a:font script="Thaa" typeface="MV Boli"/>
+        <a:font script="Deva" typeface="Mangal"/>
+        <a:font script="Telu" typeface="Gautami"/>
+        <a:font script="Taml" typeface="Latha"/>
+        <a:font script="Syrc" typeface="Estrangelo Edessa"/>
+        <a:font script="Orya" typeface="Kalinga"/>
+        <a:font script="Mlym" typeface="Kartika"/>
+        <a:font script="Laoo" typeface="DokChampa"/>
+        <a:font script="Sinh" typeface="Iskoola Pota"/>
+        <a:font script="Mong" typeface="Mongolian Baiti"/>
+        <a:font script="Viet" typeface="Arial"/>
+        <a:font script="Uigh" typeface="Microsoft Uighur"/>
+        <a:font script="Geor" typeface="Sylfaen"/>
+        <a:font script="Armn" typeface="Arial"/>
+        <a:font script="Bugi" typeface="Leelawadee UI"/>
+        <a:font script="Bopo" typeface="Microsoft JhengHei"/>
+        <a:font script="Java" typeface="Javanese Text"/>
+        <a:font script="Lisu" typeface="Segoe UI"/>
+        <a:font script="Mymr" typeface="Myanmar Text"/>
+        <a:font script="Nkoo" typeface="Ebrima"/>
+        <a:font script="Olck" typeface="Nirmala UI"/>
+        <a:font script="Osma" typeface="Ebrima"/>
+        <a:font script="Phag" typeface="Phagspa"/>
+        <a:font script="Syrn" typeface="Estrangelo Edessa"/>
+        <a:font script="Syrj" typeface="Estrangelo Edessa"/>
+        <a:font script="Syre" typeface="Estrangelo Edessa"/>
+        <a:font script="Sora" typeface="Nirmala UI"/>
+        <a:font script="Tale" typeface="Microsoft Tai Le"/>
+        <a:font script="Talu" typeface="Microsoft New Tai Lue"/>
+        <a:font script="Tfng" typeface="Ebrima"/>
+      </a:minorFont>
+    </a:fontScheme>
+    <a:fmtScheme name="Office">
+      <a:fillStyleLst>
+        <a:solidFill>
+          <a:schemeClr val="phClr"/>
+        </a:solidFill>
+        <a:gradFill rotWithShape="1">
+          <a:gsLst>
+            <a:gs pos="0">
+              <a:schemeClr val="phClr">
+                <a:lumMod val="110000"/>
+                <a:satMod val="105000"/>
+                <a:tint val="67000"/>
+              </a:schemeClr>
+            </a:gs>
+            <a:gs pos="50000">
+              <a:schemeClr val="phClr">
+                <a:lumMod val="105000"/>
+                <a:satMod val="103000"/>
+                <a:tint val="73000"/>
+              </a:schemeClr>
+            </a:gs>
+            <a:gs pos="100000">
+              <a:schemeClr val="phClr">
+                <a:lumMod val="105000"/>
+                <a:satMod val="109000"/>
+                <a:tint val="81000"/>
+              </a:schemeClr>
+            </a:gs>
+          </a:gsLst>
+          <a:lin ang="5400000" scaled="0"/>
+        </a:gradFill>
+        <a:gradFill rotWithShape="1">
+          <a:gsLst>
+            <a:gs pos="0">
+              <a:schemeClr val="phClr">
+                <a:satMod val="103000"/>
+                <a:lumMod val="102000"/>
+                <a:tint val="94000"/>
+              </a:schemeClr>
+            </a:gs>
+            <a:gs pos="50000">
+              <a:schemeClr val="phClr">
+                <a:satMod val="110000"/>
+                <a:lumMod val="100000"/>
+                <a:shade val="100000"/>
+              </a:schemeClr>
+            </a:gs>
+            <a:gs pos="100000">
+              <a:schemeClr val="phClr">
+                <a:lumMod val="99000"/>
+                <a:satMod val="120000"/>
+                <a:shade val="78000"/>
+              </a:schemeClr>
+            </a:gs>
+          </a:gsLst>
+          <a:lin ang="5400000" scaled="0"/>
+        </a:gradFill>
+      </a:fillStyleLst>
+      <a:lnStyleLst>
+        <a:ln w="6350" cap="flat" cmpd="sng" algn="ctr">
+          <a:solidFill>
+            <a:schemeClr val="phClr"/>
+          </a:solidFill>
+          <a:prstDash val="solid"/>
+          <a:miter lim="800000"/>
+        </a:ln>
+        <a:ln w="12700" cap="flat" cmpd="sng" algn="ctr">
+          <a:solidFill>
+            <a:schemeClr val="phClr"/>
+          </a:solidFill>
+          <a:prstDash val="solid"/>
+          <a:miter lim="800000"/>
+        </a:ln>
+        <a:ln w="19050" cap="flat" cmpd="sng" algn="ctr">
+          <a:solidFill>
+            <a:schemeClr val="phClr"/>
+          </a:solidFill>
+          <a:prstDash val="solid"/>
+          <a:miter lim="800000"/>
+        </a:ln>
+      </a:lnStyleLst>
+      <a:effectStyleLst>
+        <a:effectStyle>
+          <a:effectLst/>
+        </a:effectStyle>
+        <a:effectStyle>
+          <a:effectLst/>
+        </a:effectStyle>
+        <a:effectStyle>
+          <a:effectLst>
+            <a:outerShdw blurRad="57150" dist="19050" dir="5400000" algn="ctr" rotWithShape="0">
+              <a:srgbClr val="000000">
+                <a:alpha val="63000"/>
+              </a:srgbClr>
+            </a:outerShdw>
+          </a:effectLst>
+        </a:effectStyle>
+      </a:effectStyleLst>
+      <a:bgFillStyleLst>
+        <a:solidFill>
+          <a:schemeClr val="phClr"/>
+        </a:solidFill>
+        <a:solidFill>
+          <a:schemeClr val="phClr">
+            <a:tint val="95000"/>
+            <a:satMod val="170000"/>
+          </a:schemeClr>
+        </a:solidFill>
+        <a:gradFill rotWithShape="1">
+          <a:gsLst>
+            <a:gs pos="0">
+              <a:schemeClr val="phClr">
+                <a:tint val="93000"/>
+                <a:satMod val="150000"/>
+                <a:shade val="98000"/>
+                <a:lumMod val="102000"/>
+              </a:schemeClr>
+            </a:gs>
+            <a:gs pos="50000">
+              <a:schemeClr val="phClr">
+                <a:tint val="98000"/>
+                <a:satMod val="130000"/>
+                <a:shade val="90000"/>
+                <a:lumMod val="103000"/>
+              </a:schemeClr>
+            </a:gs>
+            <a:gs pos="100000">
+              <a:schemeClr val="phClr">
+                <a:shade val="63000"/>
+                <a:satMod val="120000"/>
+              </a:schemeClr>
+            </a:gs>
+          </a:gsLst>
+          <a:lin ang="5400000" scaled="0"/>
+        </a:gradFill>
+      </a:bgFillStyleLst>
+    </a:fmtScheme>
+  </a:themeElements>
+  <a:objectDefaults/>
+  <a:extraClrSchemeLst/>
+  <a:extLst>
+    <a:ext uri="{05A4C25C-085E-4340-85A3-A5531E510DB2}">
+      <thm15:themeFamily xmlns:thm15="http://schemas.microsoft.com/office/thememl/2012/main" name="Office Theme" id="{62F939B6-93AF-4DB8-9C6B-D6C7DFDC589F}" vid="{4A3C46E8-61CC-4603-A589-7422A47A8E4A}"/>
+    </a:ext>
+  </a:extLst>
+</a:theme>
 </file>